--- a/조건부기대값 임용고시 2015.pptx
+++ b/조건부기대값 임용고시 2015.pptx
@@ -10,8 +10,13 @@
     <p:sldId id="257" r:id="rId4"/>
     <p:sldId id="270" r:id="rId5"/>
     <p:sldId id="274" r:id="rId6"/>
-    <p:sldId id="271" r:id="rId7"/>
-    <p:sldId id="273" r:id="rId8"/>
+    <p:sldId id="276" r:id="rId7"/>
+    <p:sldId id="277" r:id="rId8"/>
+    <p:sldId id="278" r:id="rId9"/>
+    <p:sldId id="279" r:id="rId10"/>
+    <p:sldId id="280" r:id="rId11"/>
+    <p:sldId id="271" r:id="rId12"/>
+    <p:sldId id="273" r:id="rId13"/>
   </p:sldIdLst>
   <p:sldSz cx="12192000" cy="6858000"/>
   <p:notesSz cx="6858000" cy="9144000"/>
@@ -160,10 +165,9 @@
           </a:lstStyle>
           <a:p>
             <a:r>
-              <a:rPr lang="en-US" smtClean="0"/>
+              <a:rPr lang="en-US"/>
               <a:t>Click to edit Master title style</a:t>
             </a:r>
-            <a:endParaRPr lang="en-US"/>
           </a:p>
         </p:txBody>
       </p:sp>
@@ -225,10 +229,9 @@
           </a:lstStyle>
           <a:p>
             <a:r>
-              <a:rPr lang="en-US" smtClean="0"/>
+              <a:rPr lang="en-US"/>
               <a:t>Click to edit Master subtitle style</a:t>
             </a:r>
-            <a:endParaRPr lang="en-US"/>
           </a:p>
         </p:txBody>
       </p:sp>
@@ -249,7 +252,7 @@
           <a:p>
             <a:fld id="{5B3AD1D6-AE87-C841-B3FD-7C9F7FCAE5AE}" type="datetimeFigureOut">
               <a:rPr lang="en-US" smtClean="0"/>
-              <a:t>12/15/19</a:t>
+              <a:t>12/20/19</a:t>
             </a:fld>
             <a:endParaRPr lang="en-US"/>
           </a:p>
@@ -343,10 +346,9 @@
           <a:lstStyle/>
           <a:p>
             <a:r>
-              <a:rPr lang="en-US" smtClean="0"/>
+              <a:rPr lang="en-US"/>
               <a:t>Click to edit Master title style</a:t>
             </a:r>
-            <a:endParaRPr lang="en-US"/>
           </a:p>
         </p:txBody>
       </p:sp>
@@ -367,38 +369,37 @@
           <a:p>
             <a:pPr lvl="0"/>
             <a:r>
-              <a:rPr lang="en-US" smtClean="0"/>
+              <a:rPr lang="en-US"/>
               <a:t>Click to edit Master text styles</a:t>
             </a:r>
           </a:p>
           <a:p>
             <a:pPr lvl="1"/>
             <a:r>
-              <a:rPr lang="en-US" smtClean="0"/>
+              <a:rPr lang="en-US"/>
               <a:t>Second level</a:t>
             </a:r>
           </a:p>
           <a:p>
             <a:pPr lvl="2"/>
             <a:r>
-              <a:rPr lang="en-US" smtClean="0"/>
+              <a:rPr lang="en-US"/>
               <a:t>Third level</a:t>
             </a:r>
           </a:p>
           <a:p>
             <a:pPr lvl="3"/>
             <a:r>
-              <a:rPr lang="en-US" smtClean="0"/>
+              <a:rPr lang="en-US"/>
               <a:t>Fourth level</a:t>
             </a:r>
           </a:p>
           <a:p>
             <a:pPr lvl="4"/>
             <a:r>
-              <a:rPr lang="en-US" smtClean="0"/>
+              <a:rPr lang="en-US"/>
               <a:t>Fifth level</a:t>
             </a:r>
-            <a:endParaRPr lang="en-US"/>
           </a:p>
         </p:txBody>
       </p:sp>
@@ -419,7 +420,7 @@
           <a:p>
             <a:fld id="{5B3AD1D6-AE87-C841-B3FD-7C9F7FCAE5AE}" type="datetimeFigureOut">
               <a:rPr lang="en-US" smtClean="0"/>
-              <a:t>12/15/19</a:t>
+              <a:t>12/20/19</a:t>
             </a:fld>
             <a:endParaRPr lang="en-US"/>
           </a:p>
@@ -518,10 +519,9 @@
           <a:lstStyle/>
           <a:p>
             <a:r>
-              <a:rPr lang="en-US" smtClean="0"/>
+              <a:rPr lang="en-US"/>
               <a:t>Click to edit Master title style</a:t>
             </a:r>
-            <a:endParaRPr lang="en-US"/>
           </a:p>
         </p:txBody>
       </p:sp>
@@ -547,38 +547,37 @@
           <a:p>
             <a:pPr lvl="0"/>
             <a:r>
-              <a:rPr lang="en-US" smtClean="0"/>
+              <a:rPr lang="en-US"/>
               <a:t>Click to edit Master text styles</a:t>
             </a:r>
           </a:p>
           <a:p>
             <a:pPr lvl="1"/>
             <a:r>
-              <a:rPr lang="en-US" smtClean="0"/>
+              <a:rPr lang="en-US"/>
               <a:t>Second level</a:t>
             </a:r>
           </a:p>
           <a:p>
             <a:pPr lvl="2"/>
             <a:r>
-              <a:rPr lang="en-US" smtClean="0"/>
+              <a:rPr lang="en-US"/>
               <a:t>Third level</a:t>
             </a:r>
           </a:p>
           <a:p>
             <a:pPr lvl="3"/>
             <a:r>
-              <a:rPr lang="en-US" smtClean="0"/>
+              <a:rPr lang="en-US"/>
               <a:t>Fourth level</a:t>
             </a:r>
           </a:p>
           <a:p>
             <a:pPr lvl="4"/>
             <a:r>
-              <a:rPr lang="en-US" smtClean="0"/>
+              <a:rPr lang="en-US"/>
               <a:t>Fifth level</a:t>
             </a:r>
-            <a:endParaRPr lang="en-US"/>
           </a:p>
         </p:txBody>
       </p:sp>
@@ -599,7 +598,7 @@
           <a:p>
             <a:fld id="{5B3AD1D6-AE87-C841-B3FD-7C9F7FCAE5AE}" type="datetimeFigureOut">
               <a:rPr lang="en-US" smtClean="0"/>
-              <a:t>12/15/19</a:t>
+              <a:t>12/20/19</a:t>
             </a:fld>
             <a:endParaRPr lang="en-US"/>
           </a:p>
@@ -693,10 +692,9 @@
           <a:lstStyle/>
           <a:p>
             <a:r>
-              <a:rPr lang="en-US" smtClean="0"/>
+              <a:rPr lang="en-US"/>
               <a:t>Click to edit Master title style</a:t>
             </a:r>
-            <a:endParaRPr lang="en-US"/>
           </a:p>
         </p:txBody>
       </p:sp>
@@ -717,38 +715,37 @@
           <a:p>
             <a:pPr lvl="0"/>
             <a:r>
-              <a:rPr lang="en-US" smtClean="0"/>
+              <a:rPr lang="en-US"/>
               <a:t>Click to edit Master text styles</a:t>
             </a:r>
           </a:p>
           <a:p>
             <a:pPr lvl="1"/>
             <a:r>
-              <a:rPr lang="en-US" smtClean="0"/>
+              <a:rPr lang="en-US"/>
               <a:t>Second level</a:t>
             </a:r>
           </a:p>
           <a:p>
             <a:pPr lvl="2"/>
             <a:r>
-              <a:rPr lang="en-US" smtClean="0"/>
+              <a:rPr lang="en-US"/>
               <a:t>Third level</a:t>
             </a:r>
           </a:p>
           <a:p>
             <a:pPr lvl="3"/>
             <a:r>
-              <a:rPr lang="en-US" smtClean="0"/>
+              <a:rPr lang="en-US"/>
               <a:t>Fourth level</a:t>
             </a:r>
           </a:p>
           <a:p>
             <a:pPr lvl="4"/>
             <a:r>
-              <a:rPr lang="en-US" smtClean="0"/>
+              <a:rPr lang="en-US"/>
               <a:t>Fifth level</a:t>
             </a:r>
-            <a:endParaRPr lang="en-US"/>
           </a:p>
         </p:txBody>
       </p:sp>
@@ -769,7 +766,7 @@
           <a:p>
             <a:fld id="{5B3AD1D6-AE87-C841-B3FD-7C9F7FCAE5AE}" type="datetimeFigureOut">
               <a:rPr lang="en-US" smtClean="0"/>
-              <a:t>12/15/19</a:t>
+              <a:t>12/20/19</a:t>
             </a:fld>
             <a:endParaRPr lang="en-US"/>
           </a:p>
@@ -872,10 +869,9 @@
           </a:lstStyle>
           <a:p>
             <a:r>
-              <a:rPr lang="en-US" smtClean="0"/>
+              <a:rPr lang="en-US"/>
               <a:t>Click to edit Master title style</a:t>
             </a:r>
-            <a:endParaRPr lang="en-US"/>
           </a:p>
         </p:txBody>
       </p:sp>
@@ -992,7 +988,7 @@
           <a:p>
             <a:pPr lvl="0"/>
             <a:r>
-              <a:rPr lang="en-US" smtClean="0"/>
+              <a:rPr lang="en-US"/>
               <a:t>Click to edit Master text styles</a:t>
             </a:r>
           </a:p>
@@ -1015,7 +1011,7 @@
           <a:p>
             <a:fld id="{5B3AD1D6-AE87-C841-B3FD-7C9F7FCAE5AE}" type="datetimeFigureOut">
               <a:rPr lang="en-US" smtClean="0"/>
-              <a:t>12/15/19</a:t>
+              <a:t>12/20/19</a:t>
             </a:fld>
             <a:endParaRPr lang="en-US"/>
           </a:p>
@@ -1109,10 +1105,9 @@
           <a:lstStyle/>
           <a:p>
             <a:r>
-              <a:rPr lang="en-US" smtClean="0"/>
+              <a:rPr lang="en-US"/>
               <a:t>Click to edit Master title style</a:t>
             </a:r>
-            <a:endParaRPr lang="en-US"/>
           </a:p>
         </p:txBody>
       </p:sp>
@@ -1138,38 +1133,37 @@
           <a:p>
             <a:pPr lvl="0"/>
             <a:r>
-              <a:rPr lang="en-US" smtClean="0"/>
+              <a:rPr lang="en-US"/>
               <a:t>Click to edit Master text styles</a:t>
             </a:r>
           </a:p>
           <a:p>
             <a:pPr lvl="1"/>
             <a:r>
-              <a:rPr lang="en-US" smtClean="0"/>
+              <a:rPr lang="en-US"/>
               <a:t>Second level</a:t>
             </a:r>
           </a:p>
           <a:p>
             <a:pPr lvl="2"/>
             <a:r>
-              <a:rPr lang="en-US" smtClean="0"/>
+              <a:rPr lang="en-US"/>
               <a:t>Third level</a:t>
             </a:r>
           </a:p>
           <a:p>
             <a:pPr lvl="3"/>
             <a:r>
-              <a:rPr lang="en-US" smtClean="0"/>
+              <a:rPr lang="en-US"/>
               <a:t>Fourth level</a:t>
             </a:r>
           </a:p>
           <a:p>
             <a:pPr lvl="4"/>
             <a:r>
-              <a:rPr lang="en-US" smtClean="0"/>
+              <a:rPr lang="en-US"/>
               <a:t>Fifth level</a:t>
             </a:r>
-            <a:endParaRPr lang="en-US"/>
           </a:p>
         </p:txBody>
       </p:sp>
@@ -1195,38 +1189,37 @@
           <a:p>
             <a:pPr lvl="0"/>
             <a:r>
-              <a:rPr lang="en-US" smtClean="0"/>
+              <a:rPr lang="en-US"/>
               <a:t>Click to edit Master text styles</a:t>
             </a:r>
           </a:p>
           <a:p>
             <a:pPr lvl="1"/>
             <a:r>
-              <a:rPr lang="en-US" smtClean="0"/>
+              <a:rPr lang="en-US"/>
               <a:t>Second level</a:t>
             </a:r>
           </a:p>
           <a:p>
             <a:pPr lvl="2"/>
             <a:r>
-              <a:rPr lang="en-US" smtClean="0"/>
+              <a:rPr lang="en-US"/>
               <a:t>Third level</a:t>
             </a:r>
           </a:p>
           <a:p>
             <a:pPr lvl="3"/>
             <a:r>
-              <a:rPr lang="en-US" smtClean="0"/>
+              <a:rPr lang="en-US"/>
               <a:t>Fourth level</a:t>
             </a:r>
           </a:p>
           <a:p>
             <a:pPr lvl="4"/>
             <a:r>
-              <a:rPr lang="en-US" smtClean="0"/>
+              <a:rPr lang="en-US"/>
               <a:t>Fifth level</a:t>
             </a:r>
-            <a:endParaRPr lang="en-US"/>
           </a:p>
         </p:txBody>
       </p:sp>
@@ -1247,7 +1240,7 @@
           <a:p>
             <a:fld id="{5B3AD1D6-AE87-C841-B3FD-7C9F7FCAE5AE}" type="datetimeFigureOut">
               <a:rPr lang="en-US" smtClean="0"/>
-              <a:t>12/15/19</a:t>
+              <a:t>12/20/19</a:t>
             </a:fld>
             <a:endParaRPr lang="en-US"/>
           </a:p>
@@ -1346,10 +1339,9 @@
           <a:lstStyle/>
           <a:p>
             <a:r>
-              <a:rPr lang="en-US" smtClean="0"/>
+              <a:rPr lang="en-US"/>
               <a:t>Click to edit Master title style</a:t>
             </a:r>
-            <a:endParaRPr lang="en-US"/>
           </a:p>
         </p:txBody>
       </p:sp>
@@ -1412,7 +1404,7 @@
           <a:p>
             <a:pPr lvl="0"/>
             <a:r>
-              <a:rPr lang="en-US" smtClean="0"/>
+              <a:rPr lang="en-US"/>
               <a:t>Click to edit Master text styles</a:t>
             </a:r>
           </a:p>
@@ -1440,38 +1432,37 @@
           <a:p>
             <a:pPr lvl="0"/>
             <a:r>
-              <a:rPr lang="en-US" smtClean="0"/>
+              <a:rPr lang="en-US"/>
               <a:t>Click to edit Master text styles</a:t>
             </a:r>
           </a:p>
           <a:p>
             <a:pPr lvl="1"/>
             <a:r>
-              <a:rPr lang="en-US" smtClean="0"/>
+              <a:rPr lang="en-US"/>
               <a:t>Second level</a:t>
             </a:r>
           </a:p>
           <a:p>
             <a:pPr lvl="2"/>
             <a:r>
-              <a:rPr lang="en-US" smtClean="0"/>
+              <a:rPr lang="en-US"/>
               <a:t>Third level</a:t>
             </a:r>
           </a:p>
           <a:p>
             <a:pPr lvl="3"/>
             <a:r>
-              <a:rPr lang="en-US" smtClean="0"/>
+              <a:rPr lang="en-US"/>
               <a:t>Fourth level</a:t>
             </a:r>
           </a:p>
           <a:p>
             <a:pPr lvl="4"/>
             <a:r>
-              <a:rPr lang="en-US" smtClean="0"/>
+              <a:rPr lang="en-US"/>
               <a:t>Fifth level</a:t>
             </a:r>
-            <a:endParaRPr lang="en-US"/>
           </a:p>
         </p:txBody>
       </p:sp>
@@ -1534,7 +1525,7 @@
           <a:p>
             <a:pPr lvl="0"/>
             <a:r>
-              <a:rPr lang="en-US" smtClean="0"/>
+              <a:rPr lang="en-US"/>
               <a:t>Click to edit Master text styles</a:t>
             </a:r>
           </a:p>
@@ -1562,38 +1553,37 @@
           <a:p>
             <a:pPr lvl="0"/>
             <a:r>
-              <a:rPr lang="en-US" smtClean="0"/>
+              <a:rPr lang="en-US"/>
               <a:t>Click to edit Master text styles</a:t>
             </a:r>
           </a:p>
           <a:p>
             <a:pPr lvl="1"/>
             <a:r>
-              <a:rPr lang="en-US" smtClean="0"/>
+              <a:rPr lang="en-US"/>
               <a:t>Second level</a:t>
             </a:r>
           </a:p>
           <a:p>
             <a:pPr lvl="2"/>
             <a:r>
-              <a:rPr lang="en-US" smtClean="0"/>
+              <a:rPr lang="en-US"/>
               <a:t>Third level</a:t>
             </a:r>
           </a:p>
           <a:p>
             <a:pPr lvl="3"/>
             <a:r>
-              <a:rPr lang="en-US" smtClean="0"/>
+              <a:rPr lang="en-US"/>
               <a:t>Fourth level</a:t>
             </a:r>
           </a:p>
           <a:p>
             <a:pPr lvl="4"/>
             <a:r>
-              <a:rPr lang="en-US" smtClean="0"/>
+              <a:rPr lang="en-US"/>
               <a:t>Fifth level</a:t>
             </a:r>
-            <a:endParaRPr lang="en-US"/>
           </a:p>
         </p:txBody>
       </p:sp>
@@ -1614,7 +1604,7 @@
           <a:p>
             <a:fld id="{5B3AD1D6-AE87-C841-B3FD-7C9F7FCAE5AE}" type="datetimeFigureOut">
               <a:rPr lang="en-US" smtClean="0"/>
-              <a:t>12/15/19</a:t>
+              <a:t>12/20/19</a:t>
             </a:fld>
             <a:endParaRPr lang="en-US"/>
           </a:p>
@@ -1708,10 +1698,9 @@
           <a:lstStyle/>
           <a:p>
             <a:r>
-              <a:rPr lang="en-US" smtClean="0"/>
+              <a:rPr lang="en-US"/>
               <a:t>Click to edit Master title style</a:t>
             </a:r>
-            <a:endParaRPr lang="en-US"/>
           </a:p>
         </p:txBody>
       </p:sp>
@@ -1732,7 +1721,7 @@
           <a:p>
             <a:fld id="{5B3AD1D6-AE87-C841-B3FD-7C9F7FCAE5AE}" type="datetimeFigureOut">
               <a:rPr lang="en-US" smtClean="0"/>
-              <a:t>12/15/19</a:t>
+              <a:t>12/20/19</a:t>
             </a:fld>
             <a:endParaRPr lang="en-US"/>
           </a:p>
@@ -1827,7 +1816,7 @@
           <a:p>
             <a:fld id="{5B3AD1D6-AE87-C841-B3FD-7C9F7FCAE5AE}" type="datetimeFigureOut">
               <a:rPr lang="en-US" smtClean="0"/>
-              <a:t>12/15/19</a:t>
+              <a:t>12/20/19</a:t>
             </a:fld>
             <a:endParaRPr lang="en-US"/>
           </a:p>
@@ -1930,10 +1919,9 @@
           </a:lstStyle>
           <a:p>
             <a:r>
-              <a:rPr lang="en-US" smtClean="0"/>
+              <a:rPr lang="en-US"/>
               <a:t>Click to edit Master title style</a:t>
             </a:r>
-            <a:endParaRPr lang="en-US"/>
           </a:p>
         </p:txBody>
       </p:sp>
@@ -1987,38 +1975,37 @@
           <a:p>
             <a:pPr lvl="0"/>
             <a:r>
-              <a:rPr lang="en-US" smtClean="0"/>
+              <a:rPr lang="en-US"/>
               <a:t>Click to edit Master text styles</a:t>
             </a:r>
           </a:p>
           <a:p>
             <a:pPr lvl="1"/>
             <a:r>
-              <a:rPr lang="en-US" smtClean="0"/>
+              <a:rPr lang="en-US"/>
               <a:t>Second level</a:t>
             </a:r>
           </a:p>
           <a:p>
             <a:pPr lvl="2"/>
             <a:r>
-              <a:rPr lang="en-US" smtClean="0"/>
+              <a:rPr lang="en-US"/>
               <a:t>Third level</a:t>
             </a:r>
           </a:p>
           <a:p>
             <a:pPr lvl="3"/>
             <a:r>
-              <a:rPr lang="en-US" smtClean="0"/>
+              <a:rPr lang="en-US"/>
               <a:t>Fourth level</a:t>
             </a:r>
           </a:p>
           <a:p>
             <a:pPr lvl="4"/>
             <a:r>
-              <a:rPr lang="en-US" smtClean="0"/>
+              <a:rPr lang="en-US"/>
               <a:t>Fifth level</a:t>
             </a:r>
-            <a:endParaRPr lang="en-US"/>
           </a:p>
         </p:txBody>
       </p:sp>
@@ -2081,7 +2068,7 @@
           <a:p>
             <a:pPr lvl="0"/>
             <a:r>
-              <a:rPr lang="en-US" smtClean="0"/>
+              <a:rPr lang="en-US"/>
               <a:t>Click to edit Master text styles</a:t>
             </a:r>
           </a:p>
@@ -2104,7 +2091,7 @@
           <a:p>
             <a:fld id="{5B3AD1D6-AE87-C841-B3FD-7C9F7FCAE5AE}" type="datetimeFigureOut">
               <a:rPr lang="en-US" smtClean="0"/>
-              <a:t>12/15/19</a:t>
+              <a:t>12/20/19</a:t>
             </a:fld>
             <a:endParaRPr lang="en-US"/>
           </a:p>
@@ -2207,10 +2194,9 @@
           </a:lstStyle>
           <a:p>
             <a:r>
-              <a:rPr lang="en-US" smtClean="0"/>
+              <a:rPr lang="en-US"/>
               <a:t>Click to edit Master title style</a:t>
             </a:r>
-            <a:endParaRPr lang="en-US"/>
           </a:p>
         </p:txBody>
       </p:sp>
@@ -2334,7 +2320,7 @@
           <a:p>
             <a:pPr lvl="0"/>
             <a:r>
-              <a:rPr lang="en-US" smtClean="0"/>
+              <a:rPr lang="en-US"/>
               <a:t>Click to edit Master text styles</a:t>
             </a:r>
           </a:p>
@@ -2357,7 +2343,7 @@
           <a:p>
             <a:fld id="{5B3AD1D6-AE87-C841-B3FD-7C9F7FCAE5AE}" type="datetimeFigureOut">
               <a:rPr lang="en-US" smtClean="0"/>
-              <a:t>12/15/19</a:t>
+              <a:t>12/20/19</a:t>
             </a:fld>
             <a:endParaRPr lang="en-US"/>
           </a:p>
@@ -2466,10 +2452,9 @@
           <a:lstStyle/>
           <a:p>
             <a:r>
-              <a:rPr lang="en-US" smtClean="0"/>
+              <a:rPr lang="en-US"/>
               <a:t>Click to edit Master title style</a:t>
             </a:r>
-            <a:endParaRPr lang="en-US"/>
           </a:p>
         </p:txBody>
       </p:sp>
@@ -2500,38 +2485,37 @@
           <a:p>
             <a:pPr lvl="0"/>
             <a:r>
-              <a:rPr lang="en-US" smtClean="0"/>
+              <a:rPr lang="en-US"/>
               <a:t>Click to edit Master text styles</a:t>
             </a:r>
           </a:p>
           <a:p>
             <a:pPr lvl="1"/>
             <a:r>
-              <a:rPr lang="en-US" smtClean="0"/>
+              <a:rPr lang="en-US"/>
               <a:t>Second level</a:t>
             </a:r>
           </a:p>
           <a:p>
             <a:pPr lvl="2"/>
             <a:r>
-              <a:rPr lang="en-US" smtClean="0"/>
+              <a:rPr lang="en-US"/>
               <a:t>Third level</a:t>
             </a:r>
           </a:p>
           <a:p>
             <a:pPr lvl="3"/>
             <a:r>
-              <a:rPr lang="en-US" smtClean="0"/>
+              <a:rPr lang="en-US"/>
               <a:t>Fourth level</a:t>
             </a:r>
           </a:p>
           <a:p>
             <a:pPr lvl="4"/>
             <a:r>
-              <a:rPr lang="en-US" smtClean="0"/>
+              <a:rPr lang="en-US"/>
               <a:t>Fifth level</a:t>
             </a:r>
-            <a:endParaRPr lang="en-US"/>
           </a:p>
         </p:txBody>
       </p:sp>
@@ -2570,7 +2554,7 @@
           <a:p>
             <a:fld id="{5B3AD1D6-AE87-C841-B3FD-7C9F7FCAE5AE}" type="datetimeFigureOut">
               <a:rPr lang="en-US" smtClean="0"/>
-              <a:t>12/15/19</a:t>
+              <a:t>12/20/19</a:t>
             </a:fld>
             <a:endParaRPr lang="en-US"/>
           </a:p>
@@ -2997,29 +2981,6 @@
           </a:bodyPr>
           <a:lstStyle/>
           <a:p>
-            <a:r>
-              <a:rPr lang="en-US" sz="4000" dirty="0" smtClean="0">
-                <a:latin typeface="Arial Black" charset="0"/>
-                <a:ea typeface="Arial Black" charset="0"/>
-                <a:cs typeface="Arial Black" charset="0"/>
-              </a:rPr>
-              <a:t/>
-            </a:r>
-            <a:br>
-              <a:rPr lang="en-US" sz="4000" dirty="0" smtClean="0">
-                <a:latin typeface="Arial Black" charset="0"/>
-                <a:ea typeface="Arial Black" charset="0"/>
-                <a:cs typeface="Arial Black" charset="0"/>
-              </a:rPr>
-            </a:br>
-            <a:r>
-              <a:rPr lang="en-US" sz="4000" dirty="0">
-                <a:latin typeface="Arial Black" charset="0"/>
-                <a:ea typeface="Arial Black" charset="0"/>
-                <a:cs typeface="Arial Black" charset="0"/>
-              </a:rPr>
-              <a:t/>
-            </a:r>
             <a:br>
               <a:rPr lang="en-US" sz="4000" dirty="0">
                 <a:latin typeface="Arial Black" charset="0"/>
@@ -3027,29 +2988,6 @@
                 <a:cs typeface="Arial Black" charset="0"/>
               </a:rPr>
             </a:br>
-            <a:r>
-              <a:rPr lang="en-US" sz="4000" dirty="0" smtClean="0">
-                <a:latin typeface="Arial Black" charset="0"/>
-                <a:ea typeface="Arial Black" charset="0"/>
-                <a:cs typeface="Arial Black" charset="0"/>
-              </a:rPr>
-              <a:t/>
-            </a:r>
-            <a:br>
-              <a:rPr lang="en-US" sz="4000" dirty="0" smtClean="0">
-                <a:latin typeface="Arial Black" charset="0"/>
-                <a:ea typeface="Arial Black" charset="0"/>
-                <a:cs typeface="Arial Black" charset="0"/>
-              </a:rPr>
-            </a:br>
-            <a:r>
-              <a:rPr lang="en-US" sz="4000" dirty="0">
-                <a:latin typeface="Arial Black" charset="0"/>
-                <a:ea typeface="Arial Black" charset="0"/>
-                <a:cs typeface="Arial Black" charset="0"/>
-              </a:rPr>
-              <a:t/>
-            </a:r>
             <a:br>
               <a:rPr lang="en-US" sz="4000" dirty="0">
                 <a:latin typeface="Arial Black" charset="0"/>
@@ -3057,29 +2995,6 @@
                 <a:cs typeface="Arial Black" charset="0"/>
               </a:rPr>
             </a:br>
-            <a:r>
-              <a:rPr lang="en-US" sz="4000" dirty="0" smtClean="0">
-                <a:latin typeface="Arial Black" charset="0"/>
-                <a:ea typeface="Arial Black" charset="0"/>
-                <a:cs typeface="Arial Black" charset="0"/>
-              </a:rPr>
-              <a:t/>
-            </a:r>
-            <a:br>
-              <a:rPr lang="en-US" sz="4000" dirty="0" smtClean="0">
-                <a:latin typeface="Arial Black" charset="0"/>
-                <a:ea typeface="Arial Black" charset="0"/>
-                <a:cs typeface="Arial Black" charset="0"/>
-              </a:rPr>
-            </a:br>
-            <a:r>
-              <a:rPr lang="en-US" sz="4000" dirty="0">
-                <a:latin typeface="Arial Black" charset="0"/>
-                <a:ea typeface="Arial Black" charset="0"/>
-                <a:cs typeface="Arial Black" charset="0"/>
-              </a:rPr>
-              <a:t/>
-            </a:r>
             <a:br>
               <a:rPr lang="en-US" sz="4000" dirty="0">
                 <a:latin typeface="Arial Black" charset="0"/>
@@ -3087,29 +3002,6 @@
                 <a:cs typeface="Arial Black" charset="0"/>
               </a:rPr>
             </a:br>
-            <a:r>
-              <a:rPr lang="en-US" sz="4000" dirty="0" smtClean="0">
-                <a:latin typeface="Arial Black" charset="0"/>
-                <a:ea typeface="Arial Black" charset="0"/>
-                <a:cs typeface="Arial Black" charset="0"/>
-              </a:rPr>
-              <a:t/>
-            </a:r>
-            <a:br>
-              <a:rPr lang="en-US" sz="4000" dirty="0" smtClean="0">
-                <a:latin typeface="Arial Black" charset="0"/>
-                <a:ea typeface="Arial Black" charset="0"/>
-                <a:cs typeface="Arial Black" charset="0"/>
-              </a:rPr>
-            </a:br>
-            <a:r>
-              <a:rPr lang="en-US" sz="4000" dirty="0">
-                <a:latin typeface="Arial Black" charset="0"/>
-                <a:ea typeface="Arial Black" charset="0"/>
-                <a:cs typeface="Arial Black" charset="0"/>
-              </a:rPr>
-              <a:t/>
-            </a:r>
             <a:br>
               <a:rPr lang="en-US" sz="4000" dirty="0">
                 <a:latin typeface="Arial Black" charset="0"/>
@@ -3117,29 +3009,6 @@
                 <a:cs typeface="Arial Black" charset="0"/>
               </a:rPr>
             </a:br>
-            <a:r>
-              <a:rPr lang="en-US" sz="4000" dirty="0" smtClean="0">
-                <a:latin typeface="Arial Black" charset="0"/>
-                <a:ea typeface="Arial Black" charset="0"/>
-                <a:cs typeface="Arial Black" charset="0"/>
-              </a:rPr>
-              <a:t/>
-            </a:r>
-            <a:br>
-              <a:rPr lang="en-US" sz="4000" dirty="0" smtClean="0">
-                <a:latin typeface="Arial Black" charset="0"/>
-                <a:ea typeface="Arial Black" charset="0"/>
-                <a:cs typeface="Arial Black" charset="0"/>
-              </a:rPr>
-            </a:br>
-            <a:r>
-              <a:rPr lang="en-US" sz="4000" dirty="0">
-                <a:latin typeface="Arial Black" charset="0"/>
-                <a:ea typeface="Arial Black" charset="0"/>
-                <a:cs typeface="Arial Black" charset="0"/>
-              </a:rPr>
-              <a:t/>
-            </a:r>
             <a:br>
               <a:rPr lang="en-US" sz="4000" dirty="0">
                 <a:latin typeface="Arial Black" charset="0"/>
@@ -3147,23 +3016,50 @@
                 <a:cs typeface="Arial Black" charset="0"/>
               </a:rPr>
             </a:br>
-            <a:r>
-              <a:rPr lang="en-US" sz="4000" dirty="0" smtClean="0">
-                <a:latin typeface="Arial Black" charset="0"/>
-                <a:ea typeface="Arial Black" charset="0"/>
-                <a:cs typeface="Arial Black" charset="0"/>
-              </a:rPr>
-              <a:t/>
-            </a:r>
             <a:br>
-              <a:rPr lang="en-US" sz="4000" dirty="0" smtClean="0">
+              <a:rPr lang="en-US" sz="4000" dirty="0">
                 <a:latin typeface="Arial Black" charset="0"/>
                 <a:ea typeface="Arial Black" charset="0"/>
                 <a:cs typeface="Arial Black" charset="0"/>
               </a:rPr>
             </a:br>
-            <a:r>
-              <a:rPr lang="en-US" sz="6700" dirty="0" smtClean="0">
+            <a:br>
+              <a:rPr lang="en-US" sz="4000" dirty="0">
+                <a:latin typeface="Arial Black" charset="0"/>
+                <a:ea typeface="Arial Black" charset="0"/>
+                <a:cs typeface="Arial Black" charset="0"/>
+              </a:rPr>
+            </a:br>
+            <a:br>
+              <a:rPr lang="en-US" sz="4000" dirty="0">
+                <a:latin typeface="Arial Black" charset="0"/>
+                <a:ea typeface="Arial Black" charset="0"/>
+                <a:cs typeface="Arial Black" charset="0"/>
+              </a:rPr>
+            </a:br>
+            <a:br>
+              <a:rPr lang="en-US" sz="4000" dirty="0">
+                <a:latin typeface="Arial Black" charset="0"/>
+                <a:ea typeface="Arial Black" charset="0"/>
+                <a:cs typeface="Arial Black" charset="0"/>
+              </a:rPr>
+            </a:br>
+            <a:br>
+              <a:rPr lang="en-US" sz="4000" dirty="0">
+                <a:latin typeface="Arial Black" charset="0"/>
+                <a:ea typeface="Arial Black" charset="0"/>
+                <a:cs typeface="Arial Black" charset="0"/>
+              </a:rPr>
+            </a:br>
+            <a:br>
+              <a:rPr lang="en-US" sz="4000" dirty="0">
+                <a:latin typeface="Arial Black" charset="0"/>
+                <a:ea typeface="Arial Black" charset="0"/>
+                <a:cs typeface="Arial Black" charset="0"/>
+              </a:rPr>
+            </a:br>
+            <a:r>
+              <a:rPr lang="en-US" sz="6700" dirty="0">
                 <a:latin typeface="Arial Black" charset="0"/>
                 <a:ea typeface="Arial Black" charset="0"/>
                 <a:cs typeface="Arial Black" charset="0"/>
@@ -3171,14 +3067,14 @@
               <a:t>Problems</a:t>
             </a:r>
             <a:br>
-              <a:rPr lang="en-US" sz="6700" dirty="0" smtClean="0">
+              <a:rPr lang="en-US" sz="6700" dirty="0">
                 <a:latin typeface="Arial Black" charset="0"/>
                 <a:ea typeface="Arial Black" charset="0"/>
                 <a:cs typeface="Arial Black" charset="0"/>
               </a:rPr>
             </a:br>
             <a:r>
-              <a:rPr lang="en-US" sz="6700" dirty="0" smtClean="0">
+              <a:rPr lang="en-US" sz="6700" dirty="0">
                 <a:latin typeface="Arial Black" charset="0"/>
                 <a:ea typeface="Arial Black" charset="0"/>
                 <a:cs typeface="Arial Black" charset="0"/>
@@ -3186,14 +3082,14 @@
               <a:t>on</a:t>
             </a:r>
             <a:br>
-              <a:rPr lang="en-US" sz="6700" dirty="0" smtClean="0">
+              <a:rPr lang="en-US" sz="6700" dirty="0">
                 <a:latin typeface="Arial Black" charset="0"/>
                 <a:ea typeface="Arial Black" charset="0"/>
                 <a:cs typeface="Arial Black" charset="0"/>
               </a:rPr>
             </a:br>
             <a:r>
-              <a:rPr lang="en-US" sz="6700" dirty="0" smtClean="0">
+              <a:rPr lang="en-US" sz="6700" dirty="0">
                 <a:latin typeface="Arial Black" charset="0"/>
                 <a:ea typeface="Arial Black" charset="0"/>
                 <a:cs typeface="Arial Black" charset="0"/>
@@ -3201,22 +3097,22 @@
               <a:t>Conditional Expectation</a:t>
             </a:r>
             <a:br>
-              <a:rPr lang="en-US" sz="6700" dirty="0" smtClean="0">
+              <a:rPr lang="en-US" sz="6700" dirty="0">
                 <a:latin typeface="Arial Black" charset="0"/>
                 <a:ea typeface="Arial Black" charset="0"/>
                 <a:cs typeface="Arial Black" charset="0"/>
               </a:rPr>
             </a:br>
             <a:r>
-              <a:rPr lang="en-US" sz="6700" dirty="0" smtClean="0">
+              <a:rPr lang="en-US" altLang="ko-KR" sz="6700" dirty="0">
                 <a:latin typeface="Arial Black" charset="0"/>
                 <a:ea typeface="Arial Black" charset="0"/>
                 <a:cs typeface="Arial Black" charset="0"/>
               </a:rPr>
-              <a:t/>
+              <a:t>2015</a:t>
             </a:r>
             <a:br>
-              <a:rPr lang="en-US" sz="6700" dirty="0" smtClean="0">
+              <a:rPr lang="en-US" sz="6700" dirty="0">
                 <a:latin typeface="Arial Black" charset="0"/>
                 <a:ea typeface="Arial Black" charset="0"/>
                 <a:cs typeface="Arial Black" charset="0"/>
@@ -3260,6 +3156,246 @@
     <p:extLst>
       <p:ext uri="{BB962C8B-B14F-4D97-AF65-F5344CB8AC3E}">
         <p14:creationId xmlns:p14="http://schemas.microsoft.com/office/powerpoint/2010/main" val="2115918036"/>
+      </p:ext>
+    </p:extLst>
+  </p:cSld>
+  <p:clrMapOvr>
+    <a:masterClrMapping/>
+  </p:clrMapOvr>
+</p:sld>
+</file>
+
+<file path=ppt/slides/slide10.xml><?xml version="1.0" encoding="utf-8"?>
+<p:sld xmlns:a="http://schemas.openxmlformats.org/drawingml/2006/main" xmlns:r="http://schemas.openxmlformats.org/officeDocument/2006/relationships" xmlns:p="http://schemas.openxmlformats.org/presentationml/2006/main">
+  <p:cSld>
+    <p:spTree>
+      <p:nvGrpSpPr>
+        <p:cNvPr id="1" name=""/>
+        <p:cNvGrpSpPr/>
+        <p:nvPr/>
+      </p:nvGrpSpPr>
+      <p:grpSpPr>
+        <a:xfrm>
+          <a:off x="0" y="0"/>
+          <a:ext cx="0" cy="0"/>
+          <a:chOff x="0" y="0"/>
+          <a:chExt cx="0" cy="0"/>
+        </a:xfrm>
+      </p:grpSpPr>
+      <p:pic>
+        <p:nvPicPr>
+          <p:cNvPr id="4" name="Picture 3"/>
+          <p:cNvPicPr>
+            <a:picLocks noChangeAspect="1"/>
+          </p:cNvPicPr>
+          <p:nvPr/>
+        </p:nvPicPr>
+        <p:blipFill>
+          <a:blip r:embed="rId2">
+            <a:extLst>
+              <a:ext uri="{28A0092B-C50C-407E-A947-70E740481C1C}">
+                <a14:useLocalDpi xmlns:a14="http://schemas.microsoft.com/office/drawing/2010/main" val="0"/>
+              </a:ext>
+            </a:extLst>
+          </a:blip>
+          <a:stretch>
+            <a:fillRect/>
+          </a:stretch>
+        </p:blipFill>
+        <p:spPr>
+          <a:xfrm>
+            <a:off x="2509796" y="2321030"/>
+            <a:ext cx="7159707" cy="4143269"/>
+          </a:xfrm>
+          <a:prstGeom prst="rect">
+            <a:avLst/>
+          </a:prstGeom>
+        </p:spPr>
+      </p:pic>
+      <p:pic>
+        <p:nvPicPr>
+          <p:cNvPr id="5" name="Picture 4"/>
+          <p:cNvPicPr>
+            <a:picLocks noChangeAspect="1"/>
+          </p:cNvPicPr>
+          <p:nvPr/>
+        </p:nvPicPr>
+        <p:blipFill>
+          <a:blip r:embed="rId3">
+            <a:extLst>
+              <a:ext uri="{28A0092B-C50C-407E-A947-70E740481C1C}">
+                <a14:useLocalDpi xmlns:a14="http://schemas.microsoft.com/office/drawing/2010/main" val="0"/>
+              </a:ext>
+            </a:extLst>
+          </a:blip>
+          <a:stretch>
+            <a:fillRect/>
+          </a:stretch>
+        </p:blipFill>
+        <p:spPr>
+          <a:xfrm>
+            <a:off x="5165725" y="548640"/>
+            <a:ext cx="1847850" cy="1231900"/>
+          </a:xfrm>
+          <a:prstGeom prst="rect">
+            <a:avLst/>
+          </a:prstGeom>
+        </p:spPr>
+      </p:pic>
+    </p:spTree>
+    <p:extLst>
+      <p:ext uri="{BB962C8B-B14F-4D97-AF65-F5344CB8AC3E}">
+        <p14:creationId xmlns:p14="http://schemas.microsoft.com/office/powerpoint/2010/main" val="294514592"/>
+      </p:ext>
+    </p:extLst>
+  </p:cSld>
+  <p:clrMapOvr>
+    <a:masterClrMapping/>
+  </p:clrMapOvr>
+</p:sld>
+</file>
+
+<file path=ppt/slides/slide11.xml><?xml version="1.0" encoding="utf-8"?>
+<p:sld xmlns:a="http://schemas.openxmlformats.org/drawingml/2006/main" xmlns:r="http://schemas.openxmlformats.org/officeDocument/2006/relationships" xmlns:p="http://schemas.openxmlformats.org/presentationml/2006/main">
+  <p:cSld>
+    <p:spTree>
+      <p:nvGrpSpPr>
+        <p:cNvPr id="1" name=""/>
+        <p:cNvGrpSpPr/>
+        <p:nvPr/>
+      </p:nvGrpSpPr>
+      <p:grpSpPr>
+        <a:xfrm>
+          <a:off x="0" y="0"/>
+          <a:ext cx="0" cy="0"/>
+          <a:chOff x="0" y="0"/>
+          <a:chExt cx="0" cy="0"/>
+        </a:xfrm>
+      </p:grpSpPr>
+      <p:pic>
+        <p:nvPicPr>
+          <p:cNvPr id="3" name="Picture 2"/>
+          <p:cNvPicPr>
+            <a:picLocks noChangeAspect="1"/>
+          </p:cNvPicPr>
+          <p:nvPr/>
+        </p:nvPicPr>
+        <p:blipFill>
+          <a:blip r:embed="rId2">
+            <a:extLst>
+              <a:ext uri="{28A0092B-C50C-407E-A947-70E740481C1C}">
+                <a14:useLocalDpi xmlns:a14="http://schemas.microsoft.com/office/drawing/2010/main" val="0"/>
+              </a:ext>
+            </a:extLst>
+          </a:blip>
+          <a:stretch>
+            <a:fillRect/>
+          </a:stretch>
+        </p:blipFill>
+        <p:spPr>
+          <a:xfrm>
+            <a:off x="3493497" y="1554480"/>
+            <a:ext cx="6234248" cy="1051560"/>
+          </a:xfrm>
+          <a:prstGeom prst="rect">
+            <a:avLst/>
+          </a:prstGeom>
+        </p:spPr>
+      </p:pic>
+    </p:spTree>
+    <p:extLst>
+      <p:ext uri="{BB962C8B-B14F-4D97-AF65-F5344CB8AC3E}">
+        <p14:creationId xmlns:p14="http://schemas.microsoft.com/office/powerpoint/2010/main" val="494800646"/>
+      </p:ext>
+    </p:extLst>
+  </p:cSld>
+  <p:clrMapOvr>
+    <a:masterClrMapping/>
+  </p:clrMapOvr>
+</p:sld>
+</file>
+
+<file path=ppt/slides/slide12.xml><?xml version="1.0" encoding="utf-8"?>
+<p:sld xmlns:a="http://schemas.openxmlformats.org/drawingml/2006/main" xmlns:r="http://schemas.openxmlformats.org/officeDocument/2006/relationships" xmlns:p="http://schemas.openxmlformats.org/presentationml/2006/main">
+  <p:cSld>
+    <p:spTree>
+      <p:nvGrpSpPr>
+        <p:cNvPr id="1" name=""/>
+        <p:cNvGrpSpPr/>
+        <p:nvPr/>
+      </p:nvGrpSpPr>
+      <p:grpSpPr>
+        <a:xfrm>
+          <a:off x="0" y="0"/>
+          <a:ext cx="0" cy="0"/>
+          <a:chOff x="0" y="0"/>
+          <a:chExt cx="0" cy="0"/>
+        </a:xfrm>
+      </p:grpSpPr>
+      <p:pic>
+        <p:nvPicPr>
+          <p:cNvPr id="2" name="Picture 1"/>
+          <p:cNvPicPr>
+            <a:picLocks noChangeAspect="1"/>
+          </p:cNvPicPr>
+          <p:nvPr/>
+        </p:nvPicPr>
+        <p:blipFill>
+          <a:blip r:embed="rId2">
+            <a:extLst>
+              <a:ext uri="{28A0092B-C50C-407E-A947-70E740481C1C}">
+                <a14:useLocalDpi xmlns:a14="http://schemas.microsoft.com/office/drawing/2010/main" val="0"/>
+              </a:ext>
+            </a:extLst>
+          </a:blip>
+          <a:stretch>
+            <a:fillRect/>
+          </a:stretch>
+        </p:blipFill>
+        <p:spPr>
+          <a:xfrm>
+            <a:off x="2114398" y="3764280"/>
+            <a:ext cx="8992447" cy="1310640"/>
+          </a:xfrm>
+          <a:prstGeom prst="rect">
+            <a:avLst/>
+          </a:prstGeom>
+        </p:spPr>
+      </p:pic>
+      <p:pic>
+        <p:nvPicPr>
+          <p:cNvPr id="3" name="Picture 2"/>
+          <p:cNvPicPr>
+            <a:picLocks noChangeAspect="1"/>
+          </p:cNvPicPr>
+          <p:nvPr/>
+        </p:nvPicPr>
+        <p:blipFill>
+          <a:blip r:embed="rId3">
+            <a:extLst>
+              <a:ext uri="{28A0092B-C50C-407E-A947-70E740481C1C}">
+                <a14:useLocalDpi xmlns:a14="http://schemas.microsoft.com/office/drawing/2010/main" val="0"/>
+              </a:ext>
+            </a:extLst>
+          </a:blip>
+          <a:stretch>
+            <a:fillRect/>
+          </a:stretch>
+        </p:blipFill>
+        <p:spPr>
+          <a:xfrm>
+            <a:off x="3493497" y="1554480"/>
+            <a:ext cx="6234248" cy="1051560"/>
+          </a:xfrm>
+          <a:prstGeom prst="rect">
+            <a:avLst/>
+          </a:prstGeom>
+        </p:spPr>
+      </p:pic>
+    </p:spTree>
+    <p:extLst>
+      <p:ext uri="{BB962C8B-B14F-4D97-AF65-F5344CB8AC3E}">
+        <p14:creationId xmlns:p14="http://schemas.microsoft.com/office/powerpoint/2010/main" val="1061538342"/>
       </p:ext>
     </p:extLst>
   </p:cSld>
@@ -3304,18 +3440,13 @@
           <a:lstStyle/>
           <a:p>
             <a:r>
-              <a:rPr lang="en-US" sz="4000" dirty="0" smtClean="0">
+              <a:rPr lang="en-US" sz="4000" dirty="0">
                 <a:latin typeface="Arial Black" charset="0"/>
                 <a:ea typeface="Arial Black" charset="0"/>
                 <a:cs typeface="Arial Black" charset="0"/>
               </a:rPr>
               <a:t>Reference</a:t>
             </a:r>
-            <a:endParaRPr lang="en-US" sz="4000" dirty="0">
-              <a:latin typeface="Arial Black" charset="0"/>
-              <a:ea typeface="Arial Black" charset="0"/>
-              <a:cs typeface="Arial Black" charset="0"/>
-            </a:endParaRPr>
           </a:p>
         </p:txBody>
       </p:sp>
@@ -3334,7 +3465,7 @@
           <a:bodyPr/>
           <a:lstStyle/>
           <a:p>
-            <a:endParaRPr lang="en-US" sz="2000" dirty="0" smtClean="0">
+            <a:endParaRPr lang="en-US" sz="2000" dirty="0">
               <a:latin typeface="Arial Black" charset="0"/>
               <a:ea typeface="Arial Black" charset="0"/>
               <a:cs typeface="Arial Black" charset="0"/>
@@ -3343,7 +3474,7 @@
           </a:p>
           <a:p>
             <a:r>
-              <a:rPr lang="en-US" sz="2000" dirty="0" smtClean="0">
+              <a:rPr lang="en-US" sz="2000" dirty="0">
                 <a:latin typeface="Arial Black" charset="0"/>
                 <a:ea typeface="Arial Black" charset="0"/>
                 <a:cs typeface="Arial Black" charset="0"/>
@@ -3351,14 +3482,14 @@
               </a:rPr>
               <a:t>Data</a:t>
             </a:r>
-            <a:endParaRPr lang="en-US" sz="2000" dirty="0" smtClean="0">
+            <a:endParaRPr lang="en-US" sz="2000" dirty="0">
               <a:latin typeface="Arial Black" charset="0"/>
               <a:ea typeface="Arial Black" charset="0"/>
               <a:cs typeface="Arial Black" charset="0"/>
             </a:endParaRPr>
           </a:p>
           <a:p>
-            <a:endParaRPr lang="en-US" sz="2000" dirty="0" smtClean="0">
+            <a:endParaRPr lang="en-US" sz="2000" dirty="0">
               <a:latin typeface="Arial Black" charset="0"/>
               <a:ea typeface="Arial Black" charset="0"/>
               <a:cs typeface="Arial Black" charset="0"/>
@@ -3366,7 +3497,7 @@
           </a:p>
           <a:p>
             <a:r>
-              <a:rPr lang="en-US" sz="2000" dirty="0" smtClean="0">
+              <a:rPr lang="en-US" sz="2000" dirty="0">
                 <a:latin typeface="Arial Black" charset="0"/>
                 <a:ea typeface="Arial Black" charset="0"/>
                 <a:cs typeface="Arial Black" charset="0"/>
@@ -3374,14 +3505,14 @@
               </a:rPr>
               <a:t>Youtube</a:t>
             </a:r>
-            <a:endParaRPr lang="en-US" sz="2000" dirty="0" smtClean="0">
+            <a:endParaRPr lang="en-US" sz="2000" dirty="0">
               <a:latin typeface="Arial Black" charset="0"/>
               <a:ea typeface="Arial Black" charset="0"/>
               <a:cs typeface="Arial Black" charset="0"/>
             </a:endParaRPr>
           </a:p>
           <a:p>
-            <a:endParaRPr lang="en-US" dirty="0" smtClean="0">
+            <a:endParaRPr lang="en-US" dirty="0">
               <a:latin typeface="Arial Black" charset="0"/>
               <a:ea typeface="Arial Black" charset="0"/>
               <a:cs typeface="Arial Black" charset="0"/>
@@ -3389,7 +3520,7 @@
           </a:p>
           <a:p>
             <a:r>
-              <a:rPr lang="en-US" sz="2000" dirty="0" smtClean="0">
+              <a:rPr lang="en-US" sz="2000" dirty="0">
                 <a:latin typeface="Arial Black" charset="0"/>
                 <a:ea typeface="Arial Black" charset="0"/>
                 <a:cs typeface="Arial Black" charset="0"/>
@@ -3397,7 +3528,7 @@
               </a:rPr>
               <a:t>Code</a:t>
             </a:r>
-            <a:endParaRPr lang="en-US" sz="2000" dirty="0" smtClean="0">
+            <a:endParaRPr lang="en-US" sz="2000" dirty="0">
               <a:latin typeface="Arial Black" charset="0"/>
               <a:ea typeface="Arial Black" charset="0"/>
               <a:cs typeface="Arial Black" charset="0"/>
@@ -3416,13 +3547,6 @@
   <p:clrMapOvr>
     <a:masterClrMapping/>
   </p:clrMapOvr>
-  <p:timing>
-    <p:tnLst>
-      <p:par>
-        <p:cTn id="1" dur="indefinite" restart="never" nodeType="tmRoot"/>
-      </p:par>
-    </p:tnLst>
-  </p:timing>
 </p:sld>
 </file>
 
@@ -3466,18 +3590,13 @@
           <a:lstStyle/>
           <a:p>
             <a:r>
-              <a:rPr lang="en-US" sz="4000" dirty="0" smtClean="0">
+              <a:rPr lang="en-US" sz="4000" dirty="0">
                 <a:latin typeface="Arial Black" charset="0"/>
                 <a:ea typeface="Arial Black" charset="0"/>
                 <a:cs typeface="Arial Black" charset="0"/>
               </a:rPr>
               <a:t>[2015]</a:t>
             </a:r>
-            <a:endParaRPr lang="en-US" sz="4000" dirty="0">
-              <a:latin typeface="Arial Black" charset="0"/>
-              <a:ea typeface="Arial Black" charset="0"/>
-              <a:cs typeface="Arial Black" charset="0"/>
-            </a:endParaRPr>
           </a:p>
         </p:txBody>
       </p:sp>
@@ -3661,6 +3780,36 @@
           </a:prstGeom>
         </p:spPr>
       </p:pic>
+      <p:pic>
+        <p:nvPicPr>
+          <p:cNvPr id="3" name="Picture 2" descr="A close up of a logo&#10;&#10;Description automatically generated">
+            <a:extLst>
+              <a:ext uri="{FF2B5EF4-FFF2-40B4-BE49-F238E27FC236}">
+                <a16:creationId xmlns:a16="http://schemas.microsoft.com/office/drawing/2014/main" id="{0FC06867-F7AA-0447-A81A-98C72D4408CA}"/>
+              </a:ext>
+            </a:extLst>
+          </p:cNvPr>
+          <p:cNvPicPr>
+            <a:picLocks noChangeAspect="1"/>
+          </p:cNvPicPr>
+          <p:nvPr/>
+        </p:nvPicPr>
+        <p:blipFill>
+          <a:blip r:embed="rId4"/>
+          <a:stretch>
+            <a:fillRect/>
+          </a:stretch>
+        </p:blipFill>
+        <p:spPr>
+          <a:xfrm>
+            <a:off x="1065007" y="3092449"/>
+            <a:ext cx="10165977" cy="3371849"/>
+          </a:xfrm>
+          <a:prstGeom prst="rect">
+            <a:avLst/>
+          </a:prstGeom>
+        </p:spPr>
+      </p:pic>
     </p:spTree>
     <p:extLst>
       <p:ext uri="{BB962C8B-B14F-4D97-AF65-F5344CB8AC3E}">
@@ -3693,7 +3842,7 @@
       </p:grpSpPr>
       <p:pic>
         <p:nvPicPr>
-          <p:cNvPr id="3" name="Picture 2"/>
+          <p:cNvPr id="4" name="Picture 3"/>
           <p:cNvPicPr>
             <a:picLocks noChangeAspect="1"/>
           </p:cNvPicPr>
@@ -3713,8 +3862,68 @@
         </p:blipFill>
         <p:spPr>
           <a:xfrm>
-            <a:off x="3493497" y="1554480"/>
-            <a:ext cx="6234248" cy="1051560"/>
+            <a:off x="2509796" y="2321030"/>
+            <a:ext cx="7159707" cy="4143269"/>
+          </a:xfrm>
+          <a:prstGeom prst="rect">
+            <a:avLst/>
+          </a:prstGeom>
+        </p:spPr>
+      </p:pic>
+      <p:pic>
+        <p:nvPicPr>
+          <p:cNvPr id="5" name="Picture 4"/>
+          <p:cNvPicPr>
+            <a:picLocks noChangeAspect="1"/>
+          </p:cNvPicPr>
+          <p:nvPr/>
+        </p:nvPicPr>
+        <p:blipFill>
+          <a:blip r:embed="rId3">
+            <a:extLst>
+              <a:ext uri="{28A0092B-C50C-407E-A947-70E740481C1C}">
+                <a14:useLocalDpi xmlns:a14="http://schemas.microsoft.com/office/drawing/2010/main" val="0"/>
+              </a:ext>
+            </a:extLst>
+          </a:blip>
+          <a:stretch>
+            <a:fillRect/>
+          </a:stretch>
+        </p:blipFill>
+        <p:spPr>
+          <a:xfrm>
+            <a:off x="5165725" y="548640"/>
+            <a:ext cx="1847850" cy="1231900"/>
+          </a:xfrm>
+          <a:prstGeom prst="rect">
+            <a:avLst/>
+          </a:prstGeom>
+        </p:spPr>
+      </p:pic>
+      <p:pic>
+        <p:nvPicPr>
+          <p:cNvPr id="3" name="Picture 2" descr="A close up of a logo&#10;&#10;Description automatically generated">
+            <a:extLst>
+              <a:ext uri="{FF2B5EF4-FFF2-40B4-BE49-F238E27FC236}">
+                <a16:creationId xmlns:a16="http://schemas.microsoft.com/office/drawing/2014/main" id="{0FC06867-F7AA-0447-A81A-98C72D4408CA}"/>
+              </a:ext>
+            </a:extLst>
+          </p:cNvPr>
+          <p:cNvPicPr>
+            <a:picLocks noChangeAspect="1"/>
+          </p:cNvPicPr>
+          <p:nvPr/>
+        </p:nvPicPr>
+        <p:blipFill>
+          <a:blip r:embed="rId4"/>
+          <a:stretch>
+            <a:fillRect/>
+          </a:stretch>
+        </p:blipFill>
+        <p:spPr>
+          <a:xfrm>
+            <a:off x="1065007" y="3754419"/>
+            <a:ext cx="10165977" cy="2709879"/>
           </a:xfrm>
           <a:prstGeom prst="rect">
             <a:avLst/>
@@ -3724,7 +3933,7 @@
     </p:spTree>
     <p:extLst>
       <p:ext uri="{BB962C8B-B14F-4D97-AF65-F5344CB8AC3E}">
-        <p14:creationId xmlns:p14="http://schemas.microsoft.com/office/powerpoint/2010/main" val="494800646"/>
+        <p14:creationId xmlns:p14="http://schemas.microsoft.com/office/powerpoint/2010/main" val="4170683531"/>
       </p:ext>
     </p:extLst>
   </p:cSld>
@@ -3753,7 +3962,7 @@
       </p:grpSpPr>
       <p:pic>
         <p:nvPicPr>
-          <p:cNvPr id="2" name="Picture 1"/>
+          <p:cNvPr id="4" name="Picture 3"/>
           <p:cNvPicPr>
             <a:picLocks noChangeAspect="1"/>
           </p:cNvPicPr>
@@ -3773,8 +3982,8 @@
         </p:blipFill>
         <p:spPr>
           <a:xfrm>
-            <a:off x="2114398" y="3764280"/>
-            <a:ext cx="8992447" cy="1310640"/>
+            <a:off x="2509796" y="2321030"/>
+            <a:ext cx="7159707" cy="4143269"/>
           </a:xfrm>
           <a:prstGeom prst="rect">
             <a:avLst/>
@@ -3783,7 +3992,7 @@
       </p:pic>
       <p:pic>
         <p:nvPicPr>
-          <p:cNvPr id="3" name="Picture 2"/>
+          <p:cNvPr id="5" name="Picture 4"/>
           <p:cNvPicPr>
             <a:picLocks noChangeAspect="1"/>
           </p:cNvPicPr>
@@ -3803,8 +4012,38 @@
         </p:blipFill>
         <p:spPr>
           <a:xfrm>
-            <a:off x="3493497" y="1554480"/>
-            <a:ext cx="6234248" cy="1051560"/>
+            <a:off x="5165725" y="548640"/>
+            <a:ext cx="1847850" cy="1231900"/>
+          </a:xfrm>
+          <a:prstGeom prst="rect">
+            <a:avLst/>
+          </a:prstGeom>
+        </p:spPr>
+      </p:pic>
+      <p:pic>
+        <p:nvPicPr>
+          <p:cNvPr id="3" name="Picture 2" descr="A close up of a logo&#10;&#10;Description automatically generated">
+            <a:extLst>
+              <a:ext uri="{FF2B5EF4-FFF2-40B4-BE49-F238E27FC236}">
+                <a16:creationId xmlns:a16="http://schemas.microsoft.com/office/drawing/2014/main" id="{0FC06867-F7AA-0447-A81A-98C72D4408CA}"/>
+              </a:ext>
+            </a:extLst>
+          </p:cNvPr>
+          <p:cNvPicPr>
+            <a:picLocks noChangeAspect="1"/>
+          </p:cNvPicPr>
+          <p:nvPr/>
+        </p:nvPicPr>
+        <p:blipFill>
+          <a:blip r:embed="rId4"/>
+          <a:stretch>
+            <a:fillRect/>
+          </a:stretch>
+        </p:blipFill>
+        <p:spPr>
+          <a:xfrm>
+            <a:off x="1065007" y="4442908"/>
+            <a:ext cx="10165977" cy="2021390"/>
           </a:xfrm>
           <a:prstGeom prst="rect">
             <a:avLst/>
@@ -3814,7 +4053,247 @@
     </p:spTree>
     <p:extLst>
       <p:ext uri="{BB962C8B-B14F-4D97-AF65-F5344CB8AC3E}">
-        <p14:creationId xmlns:p14="http://schemas.microsoft.com/office/powerpoint/2010/main" val="1061538342"/>
+        <p14:creationId xmlns:p14="http://schemas.microsoft.com/office/powerpoint/2010/main" val="2408626821"/>
+      </p:ext>
+    </p:extLst>
+  </p:cSld>
+  <p:clrMapOvr>
+    <a:masterClrMapping/>
+  </p:clrMapOvr>
+</p:sld>
+</file>
+
+<file path=ppt/slides/slide8.xml><?xml version="1.0" encoding="utf-8"?>
+<p:sld xmlns:a="http://schemas.openxmlformats.org/drawingml/2006/main" xmlns:r="http://schemas.openxmlformats.org/officeDocument/2006/relationships" xmlns:p="http://schemas.openxmlformats.org/presentationml/2006/main">
+  <p:cSld>
+    <p:spTree>
+      <p:nvGrpSpPr>
+        <p:cNvPr id="1" name=""/>
+        <p:cNvGrpSpPr/>
+        <p:nvPr/>
+      </p:nvGrpSpPr>
+      <p:grpSpPr>
+        <a:xfrm>
+          <a:off x="0" y="0"/>
+          <a:ext cx="0" cy="0"/>
+          <a:chOff x="0" y="0"/>
+          <a:chExt cx="0" cy="0"/>
+        </a:xfrm>
+      </p:grpSpPr>
+      <p:pic>
+        <p:nvPicPr>
+          <p:cNvPr id="4" name="Picture 3"/>
+          <p:cNvPicPr>
+            <a:picLocks noChangeAspect="1"/>
+          </p:cNvPicPr>
+          <p:nvPr/>
+        </p:nvPicPr>
+        <p:blipFill>
+          <a:blip r:embed="rId2">
+            <a:extLst>
+              <a:ext uri="{28A0092B-C50C-407E-A947-70E740481C1C}">
+                <a14:useLocalDpi xmlns:a14="http://schemas.microsoft.com/office/drawing/2010/main" val="0"/>
+              </a:ext>
+            </a:extLst>
+          </a:blip>
+          <a:stretch>
+            <a:fillRect/>
+          </a:stretch>
+        </p:blipFill>
+        <p:spPr>
+          <a:xfrm>
+            <a:off x="2509796" y="2321030"/>
+            <a:ext cx="7159707" cy="4143269"/>
+          </a:xfrm>
+          <a:prstGeom prst="rect">
+            <a:avLst/>
+          </a:prstGeom>
+        </p:spPr>
+      </p:pic>
+      <p:pic>
+        <p:nvPicPr>
+          <p:cNvPr id="5" name="Picture 4"/>
+          <p:cNvPicPr>
+            <a:picLocks noChangeAspect="1"/>
+          </p:cNvPicPr>
+          <p:nvPr/>
+        </p:nvPicPr>
+        <p:blipFill>
+          <a:blip r:embed="rId3">
+            <a:extLst>
+              <a:ext uri="{28A0092B-C50C-407E-A947-70E740481C1C}">
+                <a14:useLocalDpi xmlns:a14="http://schemas.microsoft.com/office/drawing/2010/main" val="0"/>
+              </a:ext>
+            </a:extLst>
+          </a:blip>
+          <a:stretch>
+            <a:fillRect/>
+          </a:stretch>
+        </p:blipFill>
+        <p:spPr>
+          <a:xfrm>
+            <a:off x="5165725" y="548640"/>
+            <a:ext cx="1847850" cy="1231900"/>
+          </a:xfrm>
+          <a:prstGeom prst="rect">
+            <a:avLst/>
+          </a:prstGeom>
+        </p:spPr>
+      </p:pic>
+      <p:pic>
+        <p:nvPicPr>
+          <p:cNvPr id="3" name="Picture 2" descr="A close up of a logo&#10;&#10;Description automatically generated">
+            <a:extLst>
+              <a:ext uri="{FF2B5EF4-FFF2-40B4-BE49-F238E27FC236}">
+                <a16:creationId xmlns:a16="http://schemas.microsoft.com/office/drawing/2014/main" id="{0FC06867-F7AA-0447-A81A-98C72D4408CA}"/>
+              </a:ext>
+            </a:extLst>
+          </p:cNvPr>
+          <p:cNvPicPr>
+            <a:picLocks noChangeAspect="1"/>
+          </p:cNvPicPr>
+          <p:nvPr/>
+        </p:nvPicPr>
+        <p:blipFill>
+          <a:blip r:embed="rId4"/>
+          <a:stretch>
+            <a:fillRect/>
+          </a:stretch>
+        </p:blipFill>
+        <p:spPr>
+          <a:xfrm>
+            <a:off x="1065007" y="5109882"/>
+            <a:ext cx="10165977" cy="1354416"/>
+          </a:xfrm>
+          <a:prstGeom prst="rect">
+            <a:avLst/>
+          </a:prstGeom>
+        </p:spPr>
+      </p:pic>
+    </p:spTree>
+    <p:extLst>
+      <p:ext uri="{BB962C8B-B14F-4D97-AF65-F5344CB8AC3E}">
+        <p14:creationId xmlns:p14="http://schemas.microsoft.com/office/powerpoint/2010/main" val="847349172"/>
+      </p:ext>
+    </p:extLst>
+  </p:cSld>
+  <p:clrMapOvr>
+    <a:masterClrMapping/>
+  </p:clrMapOvr>
+</p:sld>
+</file>
+
+<file path=ppt/slides/slide9.xml><?xml version="1.0" encoding="utf-8"?>
+<p:sld xmlns:a="http://schemas.openxmlformats.org/drawingml/2006/main" xmlns:r="http://schemas.openxmlformats.org/officeDocument/2006/relationships" xmlns:p="http://schemas.openxmlformats.org/presentationml/2006/main">
+  <p:cSld>
+    <p:spTree>
+      <p:nvGrpSpPr>
+        <p:cNvPr id="1" name=""/>
+        <p:cNvGrpSpPr/>
+        <p:nvPr/>
+      </p:nvGrpSpPr>
+      <p:grpSpPr>
+        <a:xfrm>
+          <a:off x="0" y="0"/>
+          <a:ext cx="0" cy="0"/>
+          <a:chOff x="0" y="0"/>
+          <a:chExt cx="0" cy="0"/>
+        </a:xfrm>
+      </p:grpSpPr>
+      <p:pic>
+        <p:nvPicPr>
+          <p:cNvPr id="4" name="Picture 3"/>
+          <p:cNvPicPr>
+            <a:picLocks noChangeAspect="1"/>
+          </p:cNvPicPr>
+          <p:nvPr/>
+        </p:nvPicPr>
+        <p:blipFill>
+          <a:blip r:embed="rId2">
+            <a:extLst>
+              <a:ext uri="{28A0092B-C50C-407E-A947-70E740481C1C}">
+                <a14:useLocalDpi xmlns:a14="http://schemas.microsoft.com/office/drawing/2010/main" val="0"/>
+              </a:ext>
+            </a:extLst>
+          </a:blip>
+          <a:stretch>
+            <a:fillRect/>
+          </a:stretch>
+        </p:blipFill>
+        <p:spPr>
+          <a:xfrm>
+            <a:off x="2509796" y="2321030"/>
+            <a:ext cx="7159707" cy="4143269"/>
+          </a:xfrm>
+          <a:prstGeom prst="rect">
+            <a:avLst/>
+          </a:prstGeom>
+        </p:spPr>
+      </p:pic>
+      <p:pic>
+        <p:nvPicPr>
+          <p:cNvPr id="5" name="Picture 4"/>
+          <p:cNvPicPr>
+            <a:picLocks noChangeAspect="1"/>
+          </p:cNvPicPr>
+          <p:nvPr/>
+        </p:nvPicPr>
+        <p:blipFill>
+          <a:blip r:embed="rId3">
+            <a:extLst>
+              <a:ext uri="{28A0092B-C50C-407E-A947-70E740481C1C}">
+                <a14:useLocalDpi xmlns:a14="http://schemas.microsoft.com/office/drawing/2010/main" val="0"/>
+              </a:ext>
+            </a:extLst>
+          </a:blip>
+          <a:stretch>
+            <a:fillRect/>
+          </a:stretch>
+        </p:blipFill>
+        <p:spPr>
+          <a:xfrm>
+            <a:off x="5165725" y="548640"/>
+            <a:ext cx="1847850" cy="1231900"/>
+          </a:xfrm>
+          <a:prstGeom prst="rect">
+            <a:avLst/>
+          </a:prstGeom>
+        </p:spPr>
+      </p:pic>
+      <p:pic>
+        <p:nvPicPr>
+          <p:cNvPr id="3" name="Picture 2" descr="A close up of a logo&#10;&#10;Description automatically generated">
+            <a:extLst>
+              <a:ext uri="{FF2B5EF4-FFF2-40B4-BE49-F238E27FC236}">
+                <a16:creationId xmlns:a16="http://schemas.microsoft.com/office/drawing/2014/main" id="{0FC06867-F7AA-0447-A81A-98C72D4408CA}"/>
+              </a:ext>
+            </a:extLst>
+          </p:cNvPr>
+          <p:cNvPicPr>
+            <a:picLocks noChangeAspect="1"/>
+          </p:cNvPicPr>
+          <p:nvPr/>
+        </p:nvPicPr>
+        <p:blipFill>
+          <a:blip r:embed="rId4"/>
+          <a:stretch>
+            <a:fillRect/>
+          </a:stretch>
+        </p:blipFill>
+        <p:spPr>
+          <a:xfrm>
+            <a:off x="1065007" y="5733826"/>
+            <a:ext cx="10165977" cy="730472"/>
+          </a:xfrm>
+          <a:prstGeom prst="rect">
+            <a:avLst/>
+          </a:prstGeom>
+        </p:spPr>
+      </p:pic>
+    </p:spTree>
+    <p:extLst>
+      <p:ext uri="{BB962C8B-B14F-4D97-AF65-F5344CB8AC3E}">
+        <p14:creationId xmlns:p14="http://schemas.microsoft.com/office/powerpoint/2010/main" val="943093340"/>
       </p:ext>
     </p:extLst>
   </p:cSld>
